--- a/docs/j2ee快速开发框架-zhl-cloud.pptx
+++ b/docs/j2ee快速开发框架-zhl-cloud.pptx
@@ -4038,7 +4038,6 @@
             <a:off x="827088" y="2493010"/>
             <a:ext cx="7772400" cy="1470025"/>
           </a:xfrm>
-          <a:ln/>
         </p:spPr>
         <p:txBody>
           <a:bodyPr anchor="ctr"/>
@@ -4101,7 +4100,6 @@
             <a:off x="1403350" y="5229225"/>
             <a:ext cx="6400800" cy="1127125"/>
           </a:xfrm>
-          <a:ln/>
         </p:spPr>
         <p:txBody>
           <a:bodyPr anchor="ctr"/>
@@ -4500,9 +4498,7 @@
             <p:ph type="title"/>
           </p:nvPr>
         </p:nvSpPr>
-        <p:spPr>
-          <a:ln/>
-        </p:spPr>
+        <p:spPr/>
         <p:txBody>
           <a:bodyPr anchor="ctr"/>
           <a:p>
@@ -4522,9 +4518,7 @@
             <p:ph type="body" idx="1"/>
           </p:nvPr>
         </p:nvSpPr>
-        <p:spPr>
-          <a:ln/>
-        </p:spPr>
+        <p:spPr/>
         <p:txBody>
           <a:bodyPr/>
           <a:p>
@@ -4592,9 +4586,7 @@
             <p:ph type="title"/>
           </p:nvPr>
         </p:nvSpPr>
-        <p:spPr>
-          <a:ln/>
-        </p:spPr>
+        <p:spPr/>
         <p:txBody>
           <a:bodyPr anchor="ctr"/>
           <a:p>
@@ -4687,9 +4679,7 @@
             <p:ph type="title"/>
           </p:nvPr>
         </p:nvSpPr>
-        <p:spPr>
-          <a:ln/>
-        </p:spPr>
+        <p:spPr/>
         <p:txBody>
           <a:bodyPr anchor="ctr"/>
           <a:p>
@@ -4835,9 +4825,7 @@
             <p:ph type="title"/>
           </p:nvPr>
         </p:nvSpPr>
-        <p:spPr>
-          <a:ln/>
-        </p:spPr>
+        <p:spPr/>
         <p:txBody>
           <a:bodyPr anchor="ctr"/>
           <a:p>
@@ -4857,9 +4845,7 @@
             <p:ph type="body" idx="1"/>
           </p:nvPr>
         </p:nvSpPr>
-        <p:spPr>
-          <a:ln/>
-        </p:spPr>
+        <p:spPr/>
         <p:txBody>
           <a:bodyPr/>
           <a:p>
@@ -4934,9 +4920,7 @@
             <p:ph type="title"/>
           </p:nvPr>
         </p:nvSpPr>
-        <p:spPr>
-          <a:ln/>
-        </p:spPr>
+        <p:spPr/>
         <p:txBody>
           <a:bodyPr anchor="ctr"/>
           <a:p>
@@ -4961,7 +4945,6 @@
             <a:off x="683895" y="1196975"/>
             <a:ext cx="8001000" cy="4465638"/>
           </a:xfrm>
-          <a:ln/>
         </p:spPr>
         <p:txBody>
           <a:bodyPr/>
@@ -5148,9 +5131,7 @@
             <p:ph type="title"/>
           </p:nvPr>
         </p:nvSpPr>
-        <p:spPr>
-          <a:ln/>
-        </p:spPr>
+        <p:spPr/>
         <p:txBody>
           <a:bodyPr anchor="ctr"/>
           <a:p>
@@ -5170,9 +5151,7 @@
             <p:ph type="body" idx="1"/>
           </p:nvPr>
         </p:nvSpPr>
-        <p:spPr>
-          <a:ln/>
-        </p:spPr>
+        <p:spPr/>
         <p:txBody>
           <a:bodyPr/>
           <a:p>
@@ -5246,9 +5225,7 @@
             <p:ph type="title"/>
           </p:nvPr>
         </p:nvSpPr>
-        <p:spPr>
-          <a:ln/>
-        </p:spPr>
+        <p:spPr/>
         <p:txBody>
           <a:bodyPr anchor="ctr"/>
           <a:p>
@@ -5275,7 +5252,6 @@
             <a:off x="827405" y="1052830"/>
             <a:ext cx="8001000" cy="5760720"/>
           </a:xfrm>
-          <a:ln/>
         </p:spPr>
         <p:txBody>
           <a:bodyPr/>
@@ -5372,9 +5348,7 @@
             <p:ph type="title"/>
           </p:nvPr>
         </p:nvSpPr>
-        <p:spPr>
-          <a:ln/>
-        </p:spPr>
+        <p:spPr/>
         <p:txBody>
           <a:bodyPr anchor="ctr"/>
           <a:p>
@@ -5407,7 +5381,6 @@
             <a:off x="827405" y="1268730"/>
             <a:ext cx="8001000" cy="4465638"/>
           </a:xfrm>
-          <a:ln/>
         </p:spPr>
         <p:txBody>
           <a:bodyPr/>
@@ -6459,11 +6432,7 @@
             </a:r>
             <a:r>
               <a:rPr lang="zh-CN" altLang="en-US"/>
-              <a:t>本身</a:t>
-            </a:r>
-            <a:r>
-              <a:rPr lang="zh-CN" altLang="en-US"/>
-              <a:t>。</a:t>
+              <a:t>本身。</a:t>
             </a:r>
             <a:endParaRPr lang="zh-CN" altLang="en-US"/>
           </a:p>
@@ -6585,6 +6554,10 @@
             <a:endParaRPr lang="zh-CN" altLang="en-US"/>
           </a:p>
           <a:p>
+            <a:r>
+              <a:rPr lang="zh-CN" altLang="en-US"/>
+              <a:t>最大的好处，是剥离权限代码！</a:t>
+            </a:r>
             <a:endParaRPr lang="zh-CN" altLang="en-US"/>
           </a:p>
         </p:txBody>

--- a/docs/j2ee快速开发框架-zhl-cloud.pptx
+++ b/docs/j2ee快速开发框架-zhl-cloud.pptx
@@ -5258,7 +5258,7 @@
           <a:p>
             <a:r>
               <a:rPr lang="zh-CN" altLang="en-US" sz="2800"/>
-              <a:t>整个项目使用定制化服务思想，所有功能模块化、所有模块服务化、提供可自由组装、无限拓展的服务模型，使程序稳定运行，永不宕机</a:t>
+              <a:t>整个项目使用标准化服务思想，所有功能模块化、所有模块服务化、提供可自由组装、无限拓展的服务模型，使程序稳定运行，永不宕机</a:t>
             </a:r>
             <a:endParaRPr lang="zh-CN" altLang="en-US" sz="2800"/>
           </a:p>
